--- a/item/总体设计/SE2022_G09_总体设计1_1.pptx
+++ b/item/总体设计/SE2022_G09_总体设计1_1.pptx
@@ -5563,30 +5563,6 @@
           <a:chExt cx="0" cy="0"/>
         </a:xfrm>
       </p:grpSpPr>
-      <p:pic>
-        <p:nvPicPr>
-          <p:cNvPr id="5" name="图片 4" descr="系统流程图"/>
-          <p:cNvPicPr>
-            <a:picLocks noChangeAspect="1"/>
-          </p:cNvPicPr>
-          <p:nvPr/>
-        </p:nvPicPr>
-        <p:blipFill>
-          <a:blip r:embed="rId1"/>
-          <a:stretch>
-            <a:fillRect/>
-          </a:stretch>
-        </p:blipFill>
-        <p:spPr>
-          <a:xfrm>
-            <a:off x="2788285" y="343535"/>
-            <a:ext cx="6990715" cy="6193790"/>
-          </a:xfrm>
-          <a:prstGeom prst="rect">
-            <a:avLst/>
-          </a:prstGeom>
-        </p:spPr>
-      </p:pic>
       <p:sp>
         <p:nvSpPr>
           <p:cNvPr id="6" name="矩形 5"/>
@@ -5677,6 +5653,30 @@
           </a:p>
         </p:txBody>
       </p:sp>
+      <p:pic>
+        <p:nvPicPr>
+          <p:cNvPr id="2" name="图片 1" descr="系统流程图"/>
+          <p:cNvPicPr>
+            <a:picLocks noChangeAspect="1"/>
+          </p:cNvPicPr>
+          <p:nvPr/>
+        </p:nvPicPr>
+        <p:blipFill>
+          <a:blip r:embed="rId1"/>
+          <a:stretch>
+            <a:fillRect/>
+          </a:stretch>
+        </p:blipFill>
+        <p:spPr>
+          <a:xfrm>
+            <a:off x="1326515" y="263525"/>
+            <a:ext cx="10005695" cy="6330950"/>
+          </a:xfrm>
+          <a:prstGeom prst="rect">
+            <a:avLst/>
+          </a:prstGeom>
+        </p:spPr>
+      </p:pic>
     </p:spTree>
     <p:custDataLst>
       <p:tags r:id="rId2"/>
@@ -26760,7 +26760,7 @@
       </p:sp>
       <p:pic>
         <p:nvPicPr>
-          <p:cNvPr id="-2147482547" name="图片 8"/>
+          <p:cNvPr id="3" name="图片 8"/>
           <p:cNvPicPr>
             <a:picLocks noChangeAspect="1"/>
           </p:cNvPicPr>
@@ -26788,7 +26788,7 @@
       </p:pic>
       <p:pic>
         <p:nvPicPr>
-          <p:cNvPr id="-2147482537" name="图片 -2147482538"/>
+          <p:cNvPr id="4" name="图片 -2147482538"/>
           <p:cNvPicPr>
             <a:picLocks noChangeAspect="1"/>
           </p:cNvPicPr>
